--- a/SQL/SQL Presentation.pptx
+++ b/SQL/SQL Presentation.pptx
@@ -11,6 +11,7 @@
     <p:sldId id="257" r:id="rId5"/>
     <p:sldId id="260" r:id="rId6"/>
     <p:sldId id="262" r:id="rId7"/>
+    <p:sldId id="263" r:id="rId8"/>
   </p:sldIdLst>
   <p:sldSz cx="12192000" cy="6858000"/>
   <p:notesSz cx="6858000" cy="9144000"/>
@@ -109,6 +110,11 @@
       </a:defRPr>
     </a:lvl9pPr>
   </p:defaultTextStyle>
+  <p:extLst>
+    <p:ext uri="{EFAFB233-063F-42B5-8137-9DF3F51BA10A}">
+      <p15:sldGuideLst xmlns:p15="http://schemas.microsoft.com/office/powerpoint/2012/main"/>
+    </p:ext>
+  </p:extLst>
 </p:presentation>
 </file>
 
@@ -265,7 +271,7 @@
           <a:p>
             <a:fld id="{79C5A860-F335-4252-AA00-24FB67ED2982}" type="datetime1">
               <a:rPr lang="en-US" smtClean="0"/>
-              <a:t>7/31/24</a:t>
+              <a:t>9/14/24</a:t>
             </a:fld>
             <a:endParaRPr lang="en-US"/>
           </a:p>
@@ -464,7 +470,7 @@
           <a:p>
             <a:fld id="{46AB1048-0047-48CA-88BA-D69B470942CF}" type="datetime1">
               <a:rPr lang="en-US" smtClean="0"/>
-              <a:t>7/31/24</a:t>
+              <a:t>9/14/24</a:t>
             </a:fld>
             <a:endParaRPr lang="en-US"/>
           </a:p>
@@ -674,7 +680,7 @@
           <a:p>
             <a:fld id="{5BD83879-648C-49A9-81A2-0EF5946532D0}" type="datetime1">
               <a:rPr lang="en-US" smtClean="0"/>
-              <a:t>7/31/24</a:t>
+              <a:t>9/14/24</a:t>
             </a:fld>
             <a:endParaRPr lang="en-US"/>
           </a:p>
@@ -872,7 +878,7 @@
           <a:p>
             <a:fld id="{D04BC802-30E3-4658-9CCA-F873646FEC67}" type="datetime1">
               <a:rPr lang="en-US" smtClean="0"/>
-              <a:t>7/31/24</a:t>
+              <a:t>9/14/24</a:t>
             </a:fld>
             <a:endParaRPr lang="en-US"/>
           </a:p>
@@ -1150,7 +1156,7 @@
           <a:p>
             <a:fld id="{0AB227A3-19CE-4153-81CE-64EB7AB094B3}" type="datetime1">
               <a:rPr lang="en-US" smtClean="0"/>
-              <a:t>7/31/24</a:t>
+              <a:t>9/14/24</a:t>
             </a:fld>
             <a:endParaRPr lang="en-US"/>
           </a:p>
@@ -1417,7 +1423,7 @@
           <a:p>
             <a:fld id="{B819A100-10F6-477E-8847-29D479EF1C92}" type="datetime1">
               <a:rPr lang="en-US" smtClean="0"/>
-              <a:t>7/31/24</a:t>
+              <a:t>9/14/24</a:t>
             </a:fld>
             <a:endParaRPr lang="en-US"/>
           </a:p>
@@ -1831,7 +1837,7 @@
           <a:p>
             <a:fld id="{5DF128AB-198A-495F-8475-FDB360C9873F}" type="datetime1">
               <a:rPr lang="en-US" smtClean="0"/>
-              <a:t>7/31/24</a:t>
+              <a:t>9/14/24</a:t>
             </a:fld>
             <a:endParaRPr lang="en-US"/>
           </a:p>
@@ -1972,7 +1978,7 @@
           <a:p>
             <a:fld id="{021A235E-F8FD-479F-9FC7-18BE84110877}" type="datetime1">
               <a:rPr lang="en-US" smtClean="0"/>
-              <a:t>7/31/24</a:t>
+              <a:t>9/14/24</a:t>
             </a:fld>
             <a:endParaRPr lang="en-US"/>
           </a:p>
@@ -2085,7 +2091,7 @@
           <a:p>
             <a:fld id="{E890F09B-68DA-462E-9DB4-4C9ADAB8CBCC}" type="datetime1">
               <a:rPr lang="en-US" smtClean="0"/>
-              <a:t>7/31/24</a:t>
+              <a:t>9/14/24</a:t>
             </a:fld>
             <a:endParaRPr lang="en-US"/>
           </a:p>
@@ -2404,7 +2410,7 @@
           <a:p>
             <a:fld id="{17AC4E36-FABE-47EB-AA7F-C19A93824617}" type="datetime1">
               <a:rPr lang="en-US" smtClean="0"/>
-              <a:t>7/31/24</a:t>
+              <a:t>9/14/24</a:t>
             </a:fld>
             <a:endParaRPr lang="en-US"/>
           </a:p>
@@ -2701,7 +2707,7 @@
           <a:p>
             <a:fld id="{F199CE6B-5DE6-4A2D-B72E-5E8969F9F56F}" type="datetime1">
               <a:rPr lang="en-US" smtClean="0"/>
-              <a:t>7/31/24</a:t>
+              <a:t>9/14/24</a:t>
             </a:fld>
             <a:endParaRPr lang="en-US"/>
           </a:p>
@@ -3559,7 +3565,7 @@
           <a:p>
             <a:fld id="{F481A142-DA77-4A5F-AD1F-14E6C18F0F5F}" type="datetime1">
               <a:rPr lang="en-US" smtClean="0"/>
-              <a:t>7/31/24</a:t>
+              <a:t>9/14/24</a:t>
             </a:fld>
             <a:endParaRPr lang="en-US" dirty="0"/>
           </a:p>
@@ -4898,44 +4904,6 @@
             </a:r>
           </a:p>
           <a:p>
-            <a:pPr rtl="0"/>
-            <a:r>
-              <a:rPr lang="en-GB" b="1" dirty="0"/>
-              <a:t>GROUP MEMBERS </a:t>
-            </a:r>
-          </a:p>
-          <a:p>
-            <a:pPr rtl="0"/>
-            <a:r>
-              <a:rPr lang="en-GB" dirty="0"/>
-              <a:t>Lakshmi, Omar, </a:t>
-            </a:r>
-            <a:r>
-              <a:rPr lang="en-GB" dirty="0" err="1"/>
-              <a:t>Manraj</a:t>
-            </a:r>
-            <a:endParaRPr lang="en-GB" dirty="0"/>
-          </a:p>
-          <a:p>
-            <a:pPr rtl="0"/>
-            <a:r>
-              <a:rPr lang="en-GB" dirty="0" err="1"/>
-              <a:t>Raziah</a:t>
-            </a:r>
-            <a:r>
-              <a:rPr lang="en-GB" dirty="0"/>
-              <a:t>, Josh, </a:t>
-            </a:r>
-            <a:r>
-              <a:rPr lang="en-GB" dirty="0" err="1"/>
-              <a:t>Aldona</a:t>
-            </a:r>
-            <a:r>
-              <a:rPr lang="en-GB" dirty="0"/>
-              <a:t>, </a:t>
-            </a:r>
-          </a:p>
-          <a:p>
             <a:endParaRPr lang="en-US" dirty="0"/>
           </a:p>
         </p:txBody>
@@ -4997,13 +4965,7 @@
               <a:rPr lang="en-GB" b="1" dirty="0">
                 <a:effectLst/>
               </a:rPr>
-              <a:t> Introduction </a:t>
-            </a:r>
-            <a:r>
-              <a:rPr lang="en-GB" b="1" dirty="0" err="1">
-                <a:effectLst/>
-              </a:rPr>
-              <a:t>Aldona</a:t>
+              <a:t> Introduction</a:t>
             </a:r>
             <a:br>
               <a:rPr lang="en-GB" b="1" dirty="0">
@@ -5270,7 +5232,12 @@
             <p:ph type="title"/>
           </p:nvPr>
         </p:nvSpPr>
-        <p:spPr/>
+        <p:spPr>
+          <a:xfrm>
+            <a:off x="609600" y="557785"/>
+            <a:ext cx="10972800" cy="1090712"/>
+          </a:xfrm>
+        </p:spPr>
         <p:txBody>
           <a:bodyPr/>
           <a:lstStyle/>
@@ -5304,6 +5271,16 @@
             <a:normAutofit/>
           </a:bodyPr>
           <a:lstStyle/>
+          <a:p>
+            <a:pPr rtl="0"/>
+            <a:r>
+              <a:rPr lang="en-US" b="1" dirty="0"/>
+              <a:t>SCHEMA MODEL </a:t>
+            </a:r>
+            <a:endParaRPr lang="en-GB" b="1" dirty="0">
+              <a:effectLst/>
+            </a:endParaRPr>
+          </a:p>
           <a:p>
             <a:pPr rtl="0"/>
             <a:r>
@@ -5460,7 +5437,7 @@
         <p:spPr/>
         <p:txBody>
           <a:bodyPr>
-            <a:normAutofit lnSpcReduction="10000"/>
+            <a:normAutofit/>
           </a:bodyPr>
           <a:lstStyle/>
           <a:p>
@@ -5511,48 +5488,7 @@
           </a:p>
           <a:p>
             <a:pPr rtl="0"/>
-            <a:r>
-              <a:rPr lang="en-GB" b="1" dirty="0"/>
-              <a:t>THANK YOU </a:t>
-            </a:r>
-          </a:p>
-          <a:p>
-            <a:pPr rtl="0"/>
-            <a:r>
-              <a:rPr lang="en-GB" b="1" dirty="0"/>
-              <a:t>GROUP MEMBERS </a:t>
-            </a:r>
-          </a:p>
-          <a:p>
-            <a:pPr rtl="0"/>
-            <a:r>
-              <a:rPr lang="en-GB" dirty="0"/>
-              <a:t>Lakshmi, Omar, </a:t>
-            </a:r>
-            <a:r>
-              <a:rPr lang="en-GB" dirty="0" err="1"/>
-              <a:t>Manraj</a:t>
-            </a:r>
             <a:endParaRPr lang="en-GB" dirty="0"/>
-          </a:p>
-          <a:p>
-            <a:pPr rtl="0"/>
-            <a:r>
-              <a:rPr lang="en-GB" dirty="0" err="1"/>
-              <a:t>Raziah</a:t>
-            </a:r>
-            <a:r>
-              <a:rPr lang="en-GB" dirty="0"/>
-              <a:t>, Josh, </a:t>
-            </a:r>
-            <a:r>
-              <a:rPr lang="en-GB" dirty="0" err="1"/>
-              <a:t>Aldona</a:t>
-            </a:r>
-            <a:r>
-              <a:rPr lang="en-GB" dirty="0"/>
-              <a:t>, </a:t>
-            </a:r>
           </a:p>
           <a:p>
             <a:pPr rtl="0">
@@ -5562,6 +5498,104 @@
             <a:endParaRPr lang="en-GB" dirty="0"/>
           </a:p>
           <a:p>
+            <a:endParaRPr lang="en-US" dirty="0"/>
+          </a:p>
+        </p:txBody>
+      </p:sp>
+    </p:spTree>
+    <p:extLst>
+      <p:ext uri="{BB962C8B-B14F-4D97-AF65-F5344CB8AC3E}">
+        <p14:creationId xmlns:p14="http://schemas.microsoft.com/office/powerpoint/2010/main" val="4049295303"/>
+      </p:ext>
+    </p:extLst>
+  </p:cSld>
+  <p:clrMapOvr>
+    <a:masterClrMapping/>
+  </p:clrMapOvr>
+</p:sld>
+</file>
+
+<file path=ppt/slides/slide7.xml><?xml version="1.0" encoding="utf-8"?>
+<p:sld xmlns:a="http://schemas.openxmlformats.org/drawingml/2006/main" xmlns:r="http://schemas.openxmlformats.org/officeDocument/2006/relationships" xmlns:p="http://schemas.openxmlformats.org/presentationml/2006/main">
+  <p:cSld>
+    <p:spTree>
+      <p:nvGrpSpPr>
+        <p:cNvPr id="1" name=""/>
+        <p:cNvGrpSpPr/>
+        <p:nvPr/>
+      </p:nvGrpSpPr>
+      <p:grpSpPr>
+        <a:xfrm>
+          <a:off x="0" y="0"/>
+          <a:ext cx="0" cy="0"/>
+          <a:chOff x="0" y="0"/>
+          <a:chExt cx="0" cy="0"/>
+        </a:xfrm>
+      </p:grpSpPr>
+      <p:sp>
+        <p:nvSpPr>
+          <p:cNvPr id="2" name="Title 1">
+            <a:extLst>
+              <a:ext uri="{FF2B5EF4-FFF2-40B4-BE49-F238E27FC236}">
+                <a16:creationId xmlns:a16="http://schemas.microsoft.com/office/drawing/2014/main" id="{ABF7991C-8C84-952F-BE16-7975ED24FAA2}"/>
+              </a:ext>
+            </a:extLst>
+          </p:cNvPr>
+          <p:cNvSpPr>
+            <a:spLocks noGrp="1"/>
+          </p:cNvSpPr>
+          <p:nvPr>
+            <p:ph type="title"/>
+          </p:nvPr>
+        </p:nvSpPr>
+        <p:spPr/>
+        <p:txBody>
+          <a:bodyPr>
+            <a:normAutofit fontScale="90000"/>
+          </a:bodyPr>
+          <a:lstStyle/>
+          <a:p>
+            <a:r>
+              <a:rPr lang="en-GB" b="1" dirty="0"/>
+              <a:t>Group Members </a:t>
+            </a:r>
+            <a:br>
+              <a:rPr lang="en-GB" b="1" dirty="0"/>
+            </a:br>
+            <a:endParaRPr lang="en-US" dirty="0"/>
+          </a:p>
+        </p:txBody>
+      </p:sp>
+      <p:sp>
+        <p:nvSpPr>
+          <p:cNvPr id="3" name="Content Placeholder 2">
+            <a:extLst>
+              <a:ext uri="{FF2B5EF4-FFF2-40B4-BE49-F238E27FC236}">
+                <a16:creationId xmlns:a16="http://schemas.microsoft.com/office/drawing/2014/main" id="{B1CF022F-5760-F7E3-F37E-7F72C5C3E940}"/>
+              </a:ext>
+            </a:extLst>
+          </p:cNvPr>
+          <p:cNvSpPr>
+            <a:spLocks noGrp="1"/>
+          </p:cNvSpPr>
+          <p:nvPr>
+            <p:ph idx="1"/>
+          </p:nvPr>
+        </p:nvSpPr>
+        <p:spPr/>
+        <p:txBody>
+          <a:bodyPr>
+            <a:normAutofit/>
+          </a:bodyPr>
+          <a:lstStyle/>
+          <a:p>
+            <a:pPr rtl="0"/>
+            <a:r>
+              <a:rPr lang="en-GB" dirty="0"/>
+              <a:t>.</a:t>
+            </a:r>
+          </a:p>
+          <a:p>
             <a:pPr rtl="0">
               <a:buFont typeface="Arial" panose="020B0604020202020204" pitchFamily="34" charset="0"/>
               <a:buChar char="•"/>
@@ -5569,6 +5603,72 @@
             <a:endParaRPr lang="en-GB" dirty="0"/>
           </a:p>
           <a:p>
+            <a:pPr rtl="0">
+              <a:buFont typeface="Arial" panose="020B0604020202020204" pitchFamily="34" charset="0"/>
+              <a:buChar char="•"/>
+            </a:pPr>
+            <a:endParaRPr lang="en-GB" dirty="0"/>
+          </a:p>
+          <a:p>
+            <a:pPr rtl="0"/>
+            <a:r>
+              <a:rPr lang="en-GB" b="1" dirty="0"/>
+              <a:t>THANK YOU </a:t>
+            </a:r>
+          </a:p>
+          <a:p>
+            <a:pPr rtl="0"/>
+            <a:r>
+              <a:rPr lang="en-GB" b="1" dirty="0"/>
+              <a:t>GROUP MEMBERS </a:t>
+            </a:r>
+          </a:p>
+          <a:p>
+            <a:pPr rtl="0"/>
+            <a:r>
+              <a:rPr lang="en-GB" dirty="0"/>
+              <a:t>Lakshmi, Omar, </a:t>
+            </a:r>
+            <a:r>
+              <a:rPr lang="en-GB" dirty="0" err="1"/>
+              <a:t>Manraj</a:t>
+            </a:r>
+            <a:endParaRPr lang="en-GB" dirty="0"/>
+          </a:p>
+          <a:p>
+            <a:pPr rtl="0"/>
+            <a:r>
+              <a:rPr lang="en-GB" dirty="0" err="1"/>
+              <a:t>Raziah</a:t>
+            </a:r>
+            <a:r>
+              <a:rPr lang="en-GB" dirty="0"/>
+              <a:t>, Josh, </a:t>
+            </a:r>
+            <a:r>
+              <a:rPr lang="en-GB" dirty="0" err="1"/>
+              <a:t>Aldona</a:t>
+            </a:r>
+            <a:r>
+              <a:rPr lang="en-GB" dirty="0"/>
+              <a:t>, </a:t>
+            </a:r>
+          </a:p>
+          <a:p>
+            <a:pPr rtl="0">
+              <a:buFont typeface="Arial" panose="020B0604020202020204" pitchFamily="34" charset="0"/>
+              <a:buChar char="•"/>
+            </a:pPr>
+            <a:endParaRPr lang="en-GB" dirty="0"/>
+          </a:p>
+          <a:p>
+            <a:pPr rtl="0">
+              <a:buFont typeface="Arial" panose="020B0604020202020204" pitchFamily="34" charset="0"/>
+              <a:buChar char="•"/>
+            </a:pPr>
+            <a:endParaRPr lang="en-GB" dirty="0"/>
+          </a:p>
+          <a:p>
             <a:endParaRPr lang="en-US" dirty="0"/>
           </a:p>
         </p:txBody>
@@ -5576,7 +5676,7 @@
     </p:spTree>
     <p:extLst>
       <p:ext uri="{BB962C8B-B14F-4D97-AF65-F5344CB8AC3E}">
-        <p14:creationId xmlns:p14="http://schemas.microsoft.com/office/powerpoint/2010/main" val="4049295303"/>
+        <p14:creationId xmlns:p14="http://schemas.microsoft.com/office/powerpoint/2010/main" val="3457041736"/>
       </p:ext>
     </p:extLst>
   </p:cSld>
